--- a/OpenMP/GPU.pptx
+++ b/OpenMP/GPU.pptx
@@ -302,7 +302,7 @@
           <a:p>
             <a:fld id="{1D8BD707-D9CF-40AE-B4C6-C98DA3205C09}" type="datetimeFigureOut">
               <a:rPr lang="en-US"/>
-              <a:t>6/1/2023</a:t>
+              <a:t>7/26/2023</a:t>
             </a:fld>
             <a:endParaRPr lang="en-US"/>
           </a:p>
@@ -477,7 +477,7 @@
           <a:p>
             <a:fld id="{1D8BD707-D9CF-40AE-B4C6-C98DA3205C09}" type="datetimeFigureOut">
               <a:rPr lang="en-US"/>
-              <a:t>6/1/2023</a:t>
+              <a:t>7/26/2023</a:t>
             </a:fld>
             <a:endParaRPr lang="en-US"/>
           </a:p>
@@ -697,7 +697,7 @@
           <a:p>
             <a:fld id="{1D8BD707-D9CF-40AE-B4C6-C98DA3205C09}" type="datetimeFigureOut">
               <a:rPr lang="en-US"/>
-              <a:t>6/1/2023</a:t>
+              <a:t>7/26/2023</a:t>
             </a:fld>
             <a:endParaRPr lang="en-US"/>
           </a:p>
@@ -845,7 +845,7 @@
           <a:p>
             <a:fld id="{1D8BD707-D9CF-40AE-B4C6-C98DA3205C09}" type="datetimeFigureOut">
               <a:rPr lang="en-US"/>
-              <a:t>6/1/2023</a:t>
+              <a:t>7/26/2023</a:t>
             </a:fld>
             <a:endParaRPr lang="en-US"/>
           </a:p>
@@ -964,7 +964,7 @@
           <a:p>
             <a:fld id="{1D8BD707-D9CF-40AE-B4C6-C98DA3205C09}" type="datetimeFigureOut">
               <a:rPr lang="en-US"/>
-              <a:t>6/1/2023</a:t>
+              <a:t>7/26/2023</a:t>
             </a:fld>
             <a:endParaRPr lang="en-US"/>
           </a:p>
@@ -1187,7 +1187,7 @@
           <a:p>
             <a:fld id="{1D8BD707-D9CF-40AE-B4C6-C98DA3205C09}" type="datetimeFigureOut">
               <a:rPr lang="en-US"/>
-              <a:t>6/1/2023</a:t>
+              <a:t>7/26/2023</a:t>
             </a:fld>
             <a:endParaRPr lang="en-US"/>
           </a:p>
@@ -1717,7 +1717,7 @@
         <p:spPr>
           <a:xfrm>
             <a:off x="6426232" y="3619951"/>
-            <a:ext cx="1898650" cy="751205"/>
+            <a:ext cx="1898650" cy="724044"/>
           </a:xfrm>
           <a:prstGeom prst="rect">
             <a:avLst/>
@@ -1759,25 +1759,22 @@
               </a:lnSpc>
             </a:pPr>
             <a:r>
-              <a:rPr sz="1400" b="1" spc="-20" dirty="0">
+              <a:rPr lang="en-US" sz="1400" b="1" spc="-20" dirty="0">
                 <a:solidFill>
                   <a:srgbClr val="FFFFFF"/>
                 </a:solidFill>
                 <a:latin typeface="Arial"/>
                 <a:cs typeface="Arial"/>
               </a:rPr>
-              <a:t>HPC-Tech </a:t>
-            </a:r>
-            <a:r>
-              <a:rPr sz="1400" b="1" spc="-5" dirty="0">
-                <a:solidFill>
-                  <a:srgbClr val="FFFFFF"/>
-                </a:solidFill>
-                <a:latin typeface="Arial"/>
-                <a:cs typeface="Arial"/>
-              </a:rPr>
-              <a:t>Department </a:t>
-            </a:r>
+              <a:t>Student</a:t>
+            </a:r>
+          </a:p>
+          <a:p>
+            <a:pPr marL="16510" marR="5080" indent="-4445">
+              <a:lnSpc>
+                <a:spcPct val="113399"/>
+              </a:lnSpc>
+            </a:pPr>
             <a:r>
               <a:rPr sz="1400" b="1" spc="-375" dirty="0">
                 <a:solidFill>
